--- a/ppt 16-9/0871.来到世上来.pptx
+++ b/ppt 16-9/0871.来到世上来.pptx
@@ -5,7 +5,7 @@
     <p:sldMasterId id="2147483648" r:id="rId1"/>
   </p:sldMasterIdLst>
   <p:sldIdLst>
-    <p:sldId id="2179" r:id="rId2"/>
+    <p:sldId id="2181" r:id="rId2"/>
   </p:sldIdLst>
   <p:sldSz cx="12192000" cy="6858000"/>
   <p:notesSz cx="6858000" cy="9144000"/>
@@ -129,7 +129,7 @@
           <p:cNvPr id="2" name="标题 1">
             <a:extLst>
               <a:ext uri="{FF2B5EF4-FFF2-40B4-BE49-F238E27FC236}">
-                <a16:creationId xmlns:a16="http://schemas.microsoft.com/office/drawing/2014/main" id="{4CAADBE5-7E7F-C32F-D90F-53135CCCB007}"/>
+                <a16:creationId xmlns:a16="http://schemas.microsoft.com/office/drawing/2014/main" id="{E9C1E8F5-4B64-AB77-BB29-AA18E38275D3}"/>
               </a:ext>
             </a:extLst>
           </p:cNvPr>
@@ -166,7 +166,7 @@
           <p:cNvPr id="3" name="副标题 2">
             <a:extLst>
               <a:ext uri="{FF2B5EF4-FFF2-40B4-BE49-F238E27FC236}">
-                <a16:creationId xmlns:a16="http://schemas.microsoft.com/office/drawing/2014/main" id="{E42FA45B-8256-A987-7960-4CE15E5F19E8}"/>
+                <a16:creationId xmlns:a16="http://schemas.microsoft.com/office/drawing/2014/main" id="{541219F7-1CB2-FD82-0BA4-9C3A35E91C41}"/>
               </a:ext>
             </a:extLst>
           </p:cNvPr>
@@ -236,7 +236,7 @@
           <p:cNvPr id="4" name="日期占位符 3">
             <a:extLst>
               <a:ext uri="{FF2B5EF4-FFF2-40B4-BE49-F238E27FC236}">
-                <a16:creationId xmlns:a16="http://schemas.microsoft.com/office/drawing/2014/main" id="{2AC2D1E9-C46F-28BB-AC85-19BFB30676D7}"/>
+                <a16:creationId xmlns:a16="http://schemas.microsoft.com/office/drawing/2014/main" id="{BB3E1665-3143-A9E9-DB9F-E09916971F1D}"/>
               </a:ext>
             </a:extLst>
           </p:cNvPr>
@@ -252,7 +252,7 @@
           <a:bodyPr/>
           <a:lstStyle/>
           <a:p>
-            <a:fld id="{D397500C-D466-4AB9-A804-4447098EAB41}" type="datetimeFigureOut">
+            <a:fld id="{A00EE3F2-B1ED-4068-B7DD-CDD36C1D1AA4}" type="datetimeFigureOut">
               <a:rPr lang="zh-CN" altLang="en-US" smtClean="0"/>
               <a:t>2024/3/10</a:t>
             </a:fld>
@@ -265,7 +265,7 @@
           <p:cNvPr id="5" name="页脚占位符 4">
             <a:extLst>
               <a:ext uri="{FF2B5EF4-FFF2-40B4-BE49-F238E27FC236}">
-                <a16:creationId xmlns:a16="http://schemas.microsoft.com/office/drawing/2014/main" id="{51FA0F0F-7C15-34C7-0CA2-281406E2808A}"/>
+                <a16:creationId xmlns:a16="http://schemas.microsoft.com/office/drawing/2014/main" id="{BEC1DA3B-4657-5D7D-1FEB-F4680DCCBD0C}"/>
               </a:ext>
             </a:extLst>
           </p:cNvPr>
@@ -290,7 +290,7 @@
           <p:cNvPr id="6" name="灯片编号占位符 5">
             <a:extLst>
               <a:ext uri="{FF2B5EF4-FFF2-40B4-BE49-F238E27FC236}">
-                <a16:creationId xmlns:a16="http://schemas.microsoft.com/office/drawing/2014/main" id="{1005BA49-EA2B-69BB-6045-1D457AD8D458}"/>
+                <a16:creationId xmlns:a16="http://schemas.microsoft.com/office/drawing/2014/main" id="{B1D2841F-2C14-5B67-6103-3156125B8576}"/>
               </a:ext>
             </a:extLst>
           </p:cNvPr>
@@ -306,7 +306,7 @@
           <a:bodyPr/>
           <a:lstStyle/>
           <a:p>
-            <a:fld id="{8ADB2709-69D4-4A1C-A36F-117ED33A6986}" type="slidenum">
+            <a:fld id="{012D6D11-FF9A-4DB9-B82A-3CD37C6665D6}" type="slidenum">
               <a:rPr lang="zh-CN" altLang="en-US" smtClean="0"/>
               <a:t>‹#›</a:t>
             </a:fld>
@@ -317,7 +317,7 @@
     </p:spTree>
     <p:extLst>
       <p:ext uri="{BB962C8B-B14F-4D97-AF65-F5344CB8AC3E}">
-        <p14:creationId xmlns:p14="http://schemas.microsoft.com/office/powerpoint/2010/main" val="3722172831"/>
+        <p14:creationId xmlns:p14="http://schemas.microsoft.com/office/powerpoint/2010/main" val="1725387443"/>
       </p:ext>
     </p:extLst>
   </p:cSld>
@@ -349,7 +349,7 @@
           <p:cNvPr id="2" name="标题 1">
             <a:extLst>
               <a:ext uri="{FF2B5EF4-FFF2-40B4-BE49-F238E27FC236}">
-                <a16:creationId xmlns:a16="http://schemas.microsoft.com/office/drawing/2014/main" id="{E46BDBF5-5908-D066-FD06-99A1FF31CF6A}"/>
+                <a16:creationId xmlns:a16="http://schemas.microsoft.com/office/drawing/2014/main" id="{A8C2E51D-A69F-BE5B-DE93-48E9AD6B942A}"/>
               </a:ext>
             </a:extLst>
           </p:cNvPr>
@@ -377,7 +377,7 @@
           <p:cNvPr id="3" name="竖排文字占位符 2">
             <a:extLst>
               <a:ext uri="{FF2B5EF4-FFF2-40B4-BE49-F238E27FC236}">
-                <a16:creationId xmlns:a16="http://schemas.microsoft.com/office/drawing/2014/main" id="{A80A4060-1232-FABC-60A9-8B1D62E83EE4}"/>
+                <a16:creationId xmlns:a16="http://schemas.microsoft.com/office/drawing/2014/main" id="{0210FA7D-65DC-A693-AA7E-1881FBDB8BF5}"/>
               </a:ext>
             </a:extLst>
           </p:cNvPr>
@@ -434,7 +434,7 @@
           <p:cNvPr id="4" name="日期占位符 3">
             <a:extLst>
               <a:ext uri="{FF2B5EF4-FFF2-40B4-BE49-F238E27FC236}">
-                <a16:creationId xmlns:a16="http://schemas.microsoft.com/office/drawing/2014/main" id="{73F9DDD0-E798-1A8F-82BA-12B955D51031}"/>
+                <a16:creationId xmlns:a16="http://schemas.microsoft.com/office/drawing/2014/main" id="{D1988E05-EBED-C58F-F01C-66D018BD90F2}"/>
               </a:ext>
             </a:extLst>
           </p:cNvPr>
@@ -450,7 +450,7 @@
           <a:bodyPr/>
           <a:lstStyle/>
           <a:p>
-            <a:fld id="{D397500C-D466-4AB9-A804-4447098EAB41}" type="datetimeFigureOut">
+            <a:fld id="{A00EE3F2-B1ED-4068-B7DD-CDD36C1D1AA4}" type="datetimeFigureOut">
               <a:rPr lang="zh-CN" altLang="en-US" smtClean="0"/>
               <a:t>2024/3/10</a:t>
             </a:fld>
@@ -463,7 +463,7 @@
           <p:cNvPr id="5" name="页脚占位符 4">
             <a:extLst>
               <a:ext uri="{FF2B5EF4-FFF2-40B4-BE49-F238E27FC236}">
-                <a16:creationId xmlns:a16="http://schemas.microsoft.com/office/drawing/2014/main" id="{FDF46159-4017-E8FE-97C8-702738862E12}"/>
+                <a16:creationId xmlns:a16="http://schemas.microsoft.com/office/drawing/2014/main" id="{1AA90AFF-BC0A-4BA5-B69B-216B664F5534}"/>
               </a:ext>
             </a:extLst>
           </p:cNvPr>
@@ -488,7 +488,7 @@
           <p:cNvPr id="6" name="灯片编号占位符 5">
             <a:extLst>
               <a:ext uri="{FF2B5EF4-FFF2-40B4-BE49-F238E27FC236}">
-                <a16:creationId xmlns:a16="http://schemas.microsoft.com/office/drawing/2014/main" id="{7D59E71F-9FB9-CFF8-35C1-0F64C14E4A82}"/>
+                <a16:creationId xmlns:a16="http://schemas.microsoft.com/office/drawing/2014/main" id="{92D25403-8A28-49D3-AEAF-2123D8C4A48D}"/>
               </a:ext>
             </a:extLst>
           </p:cNvPr>
@@ -504,7 +504,7 @@
           <a:bodyPr/>
           <a:lstStyle/>
           <a:p>
-            <a:fld id="{8ADB2709-69D4-4A1C-A36F-117ED33A6986}" type="slidenum">
+            <a:fld id="{012D6D11-FF9A-4DB9-B82A-3CD37C6665D6}" type="slidenum">
               <a:rPr lang="zh-CN" altLang="en-US" smtClean="0"/>
               <a:t>‹#›</a:t>
             </a:fld>
@@ -515,7 +515,7 @@
     </p:spTree>
     <p:extLst>
       <p:ext uri="{BB962C8B-B14F-4D97-AF65-F5344CB8AC3E}">
-        <p14:creationId xmlns:p14="http://schemas.microsoft.com/office/powerpoint/2010/main" val="496265276"/>
+        <p14:creationId xmlns:p14="http://schemas.microsoft.com/office/powerpoint/2010/main" val="860524504"/>
       </p:ext>
     </p:extLst>
   </p:cSld>
@@ -547,7 +547,7 @@
           <p:cNvPr id="2" name="竖排标题 1">
             <a:extLst>
               <a:ext uri="{FF2B5EF4-FFF2-40B4-BE49-F238E27FC236}">
-                <a16:creationId xmlns:a16="http://schemas.microsoft.com/office/drawing/2014/main" id="{772E8AD7-19C2-142F-DDE5-A90F0AFD4E15}"/>
+                <a16:creationId xmlns:a16="http://schemas.microsoft.com/office/drawing/2014/main" id="{C88A43F2-F122-AB51-A0D1-5E573D930327}"/>
               </a:ext>
             </a:extLst>
           </p:cNvPr>
@@ -580,7 +580,7 @@
           <p:cNvPr id="3" name="竖排文字占位符 2">
             <a:extLst>
               <a:ext uri="{FF2B5EF4-FFF2-40B4-BE49-F238E27FC236}">
-                <a16:creationId xmlns:a16="http://schemas.microsoft.com/office/drawing/2014/main" id="{26C0B045-DE18-00A0-E1C4-81B3B3500BD1}"/>
+                <a16:creationId xmlns:a16="http://schemas.microsoft.com/office/drawing/2014/main" id="{D464525D-DACC-DCB8-844E-7CD19E527023}"/>
               </a:ext>
             </a:extLst>
           </p:cNvPr>
@@ -642,7 +642,7 @@
           <p:cNvPr id="4" name="日期占位符 3">
             <a:extLst>
               <a:ext uri="{FF2B5EF4-FFF2-40B4-BE49-F238E27FC236}">
-                <a16:creationId xmlns:a16="http://schemas.microsoft.com/office/drawing/2014/main" id="{E8B06661-5F4F-AA32-76E8-DBCDCAAE32C3}"/>
+                <a16:creationId xmlns:a16="http://schemas.microsoft.com/office/drawing/2014/main" id="{E7EB1689-4102-F470-40B1-7122CB23E906}"/>
               </a:ext>
             </a:extLst>
           </p:cNvPr>
@@ -658,7 +658,7 @@
           <a:bodyPr/>
           <a:lstStyle/>
           <a:p>
-            <a:fld id="{D397500C-D466-4AB9-A804-4447098EAB41}" type="datetimeFigureOut">
+            <a:fld id="{A00EE3F2-B1ED-4068-B7DD-CDD36C1D1AA4}" type="datetimeFigureOut">
               <a:rPr lang="zh-CN" altLang="en-US" smtClean="0"/>
               <a:t>2024/3/10</a:t>
             </a:fld>
@@ -671,7 +671,7 @@
           <p:cNvPr id="5" name="页脚占位符 4">
             <a:extLst>
               <a:ext uri="{FF2B5EF4-FFF2-40B4-BE49-F238E27FC236}">
-                <a16:creationId xmlns:a16="http://schemas.microsoft.com/office/drawing/2014/main" id="{DA4385F6-946F-8F3F-88EB-AE18A52DD1DE}"/>
+                <a16:creationId xmlns:a16="http://schemas.microsoft.com/office/drawing/2014/main" id="{5865942E-7082-212C-C725-AD7C257BFC96}"/>
               </a:ext>
             </a:extLst>
           </p:cNvPr>
@@ -696,7 +696,7 @@
           <p:cNvPr id="6" name="灯片编号占位符 5">
             <a:extLst>
               <a:ext uri="{FF2B5EF4-FFF2-40B4-BE49-F238E27FC236}">
-                <a16:creationId xmlns:a16="http://schemas.microsoft.com/office/drawing/2014/main" id="{A089D429-5B07-B902-689E-35B9B0BE56CB}"/>
+                <a16:creationId xmlns:a16="http://schemas.microsoft.com/office/drawing/2014/main" id="{10B57179-3619-9DF8-D5F2-06DA72CA55AD}"/>
               </a:ext>
             </a:extLst>
           </p:cNvPr>
@@ -712,7 +712,7 @@
           <a:bodyPr/>
           <a:lstStyle/>
           <a:p>
-            <a:fld id="{8ADB2709-69D4-4A1C-A36F-117ED33A6986}" type="slidenum">
+            <a:fld id="{012D6D11-FF9A-4DB9-B82A-3CD37C6665D6}" type="slidenum">
               <a:rPr lang="zh-CN" altLang="en-US" smtClean="0"/>
               <a:t>‹#›</a:t>
             </a:fld>
@@ -723,7 +723,7 @@
     </p:spTree>
     <p:extLst>
       <p:ext uri="{BB962C8B-B14F-4D97-AF65-F5344CB8AC3E}">
-        <p14:creationId xmlns:p14="http://schemas.microsoft.com/office/powerpoint/2010/main" val="1004424538"/>
+        <p14:creationId xmlns:p14="http://schemas.microsoft.com/office/powerpoint/2010/main" val="514605500"/>
       </p:ext>
     </p:extLst>
   </p:cSld>
@@ -755,7 +755,7 @@
           <p:cNvPr id="2" name="标题 1">
             <a:extLst>
               <a:ext uri="{FF2B5EF4-FFF2-40B4-BE49-F238E27FC236}">
-                <a16:creationId xmlns:a16="http://schemas.microsoft.com/office/drawing/2014/main" id="{01148F5A-B182-6E2F-4EAD-1492904B87F9}"/>
+                <a16:creationId xmlns:a16="http://schemas.microsoft.com/office/drawing/2014/main" id="{319C9CD9-4ABC-ACC4-14D5-B623FF116576}"/>
               </a:ext>
             </a:extLst>
           </p:cNvPr>
@@ -783,7 +783,7 @@
           <p:cNvPr id="3" name="内容占位符 2">
             <a:extLst>
               <a:ext uri="{FF2B5EF4-FFF2-40B4-BE49-F238E27FC236}">
-                <a16:creationId xmlns:a16="http://schemas.microsoft.com/office/drawing/2014/main" id="{D69A01A0-BD05-F71D-9DAD-CBEEF6FCCE1D}"/>
+                <a16:creationId xmlns:a16="http://schemas.microsoft.com/office/drawing/2014/main" id="{723C1371-73EE-FD90-E030-8F118DE7F81C}"/>
               </a:ext>
             </a:extLst>
           </p:cNvPr>
@@ -840,7 +840,7 @@
           <p:cNvPr id="4" name="日期占位符 3">
             <a:extLst>
               <a:ext uri="{FF2B5EF4-FFF2-40B4-BE49-F238E27FC236}">
-                <a16:creationId xmlns:a16="http://schemas.microsoft.com/office/drawing/2014/main" id="{3462F1F5-8FE1-61B1-27A8-0185D3E398FA}"/>
+                <a16:creationId xmlns:a16="http://schemas.microsoft.com/office/drawing/2014/main" id="{EE72DCB2-95CB-1A99-CE55-556C18A36002}"/>
               </a:ext>
             </a:extLst>
           </p:cNvPr>
@@ -856,7 +856,7 @@
           <a:bodyPr/>
           <a:lstStyle/>
           <a:p>
-            <a:fld id="{D397500C-D466-4AB9-A804-4447098EAB41}" type="datetimeFigureOut">
+            <a:fld id="{A00EE3F2-B1ED-4068-B7DD-CDD36C1D1AA4}" type="datetimeFigureOut">
               <a:rPr lang="zh-CN" altLang="en-US" smtClean="0"/>
               <a:t>2024/3/10</a:t>
             </a:fld>
@@ -869,7 +869,7 @@
           <p:cNvPr id="5" name="页脚占位符 4">
             <a:extLst>
               <a:ext uri="{FF2B5EF4-FFF2-40B4-BE49-F238E27FC236}">
-                <a16:creationId xmlns:a16="http://schemas.microsoft.com/office/drawing/2014/main" id="{61EB222A-CBF1-5AA8-4A59-A5216B4C14AD}"/>
+                <a16:creationId xmlns:a16="http://schemas.microsoft.com/office/drawing/2014/main" id="{B5549784-69DA-3F54-036E-C8C766B00AD8}"/>
               </a:ext>
             </a:extLst>
           </p:cNvPr>
@@ -894,7 +894,7 @@
           <p:cNvPr id="6" name="灯片编号占位符 5">
             <a:extLst>
               <a:ext uri="{FF2B5EF4-FFF2-40B4-BE49-F238E27FC236}">
-                <a16:creationId xmlns:a16="http://schemas.microsoft.com/office/drawing/2014/main" id="{837D687A-4719-6515-A22B-F6C4A465EDDE}"/>
+                <a16:creationId xmlns:a16="http://schemas.microsoft.com/office/drawing/2014/main" id="{1B497B56-2BBB-E804-68A8-4496453EBC4F}"/>
               </a:ext>
             </a:extLst>
           </p:cNvPr>
@@ -910,7 +910,7 @@
           <a:bodyPr/>
           <a:lstStyle/>
           <a:p>
-            <a:fld id="{8ADB2709-69D4-4A1C-A36F-117ED33A6986}" type="slidenum">
+            <a:fld id="{012D6D11-FF9A-4DB9-B82A-3CD37C6665D6}" type="slidenum">
               <a:rPr lang="zh-CN" altLang="en-US" smtClean="0"/>
               <a:t>‹#›</a:t>
             </a:fld>
@@ -921,7 +921,7 @@
     </p:spTree>
     <p:extLst>
       <p:ext uri="{BB962C8B-B14F-4D97-AF65-F5344CB8AC3E}">
-        <p14:creationId xmlns:p14="http://schemas.microsoft.com/office/powerpoint/2010/main" val="184641501"/>
+        <p14:creationId xmlns:p14="http://schemas.microsoft.com/office/powerpoint/2010/main" val="1686934712"/>
       </p:ext>
     </p:extLst>
   </p:cSld>
@@ -953,7 +953,7 @@
           <p:cNvPr id="2" name="标题 1">
             <a:extLst>
               <a:ext uri="{FF2B5EF4-FFF2-40B4-BE49-F238E27FC236}">
-                <a16:creationId xmlns:a16="http://schemas.microsoft.com/office/drawing/2014/main" id="{39EC3E9B-6A83-8A6F-E2CA-EF054B7812E0}"/>
+                <a16:creationId xmlns:a16="http://schemas.microsoft.com/office/drawing/2014/main" id="{B847B339-53F7-0CE4-6934-75D6FC8DFDD2}"/>
               </a:ext>
             </a:extLst>
           </p:cNvPr>
@@ -990,7 +990,7 @@
           <p:cNvPr id="3" name="文本占位符 2">
             <a:extLst>
               <a:ext uri="{FF2B5EF4-FFF2-40B4-BE49-F238E27FC236}">
-                <a16:creationId xmlns:a16="http://schemas.microsoft.com/office/drawing/2014/main" id="{AD9FB0B9-D23D-16BF-456A-B5D46F8DD2B6}"/>
+                <a16:creationId xmlns:a16="http://schemas.microsoft.com/office/drawing/2014/main" id="{B35B0FD9-A929-FDC2-411A-5862CF21A8CD}"/>
               </a:ext>
             </a:extLst>
           </p:cNvPr>
@@ -1115,7 +1115,7 @@
           <p:cNvPr id="4" name="日期占位符 3">
             <a:extLst>
               <a:ext uri="{FF2B5EF4-FFF2-40B4-BE49-F238E27FC236}">
-                <a16:creationId xmlns:a16="http://schemas.microsoft.com/office/drawing/2014/main" id="{EFE56911-56C9-6A93-DCED-1FA85A92BB44}"/>
+                <a16:creationId xmlns:a16="http://schemas.microsoft.com/office/drawing/2014/main" id="{B3532E85-B570-1058-105E-969D6F913E8E}"/>
               </a:ext>
             </a:extLst>
           </p:cNvPr>
@@ -1131,7 +1131,7 @@
           <a:bodyPr/>
           <a:lstStyle/>
           <a:p>
-            <a:fld id="{D397500C-D466-4AB9-A804-4447098EAB41}" type="datetimeFigureOut">
+            <a:fld id="{A00EE3F2-B1ED-4068-B7DD-CDD36C1D1AA4}" type="datetimeFigureOut">
               <a:rPr lang="zh-CN" altLang="en-US" smtClean="0"/>
               <a:t>2024/3/10</a:t>
             </a:fld>
@@ -1144,7 +1144,7 @@
           <p:cNvPr id="5" name="页脚占位符 4">
             <a:extLst>
               <a:ext uri="{FF2B5EF4-FFF2-40B4-BE49-F238E27FC236}">
-                <a16:creationId xmlns:a16="http://schemas.microsoft.com/office/drawing/2014/main" id="{603E31B5-E6DB-1EA0-3085-24ABA2C0C253}"/>
+                <a16:creationId xmlns:a16="http://schemas.microsoft.com/office/drawing/2014/main" id="{1546572B-328E-2A78-502C-DF03CF67375F}"/>
               </a:ext>
             </a:extLst>
           </p:cNvPr>
@@ -1169,7 +1169,7 @@
           <p:cNvPr id="6" name="灯片编号占位符 5">
             <a:extLst>
               <a:ext uri="{FF2B5EF4-FFF2-40B4-BE49-F238E27FC236}">
-                <a16:creationId xmlns:a16="http://schemas.microsoft.com/office/drawing/2014/main" id="{3D0857BF-DE2C-52A5-A176-6AC3974DA40F}"/>
+                <a16:creationId xmlns:a16="http://schemas.microsoft.com/office/drawing/2014/main" id="{E6FB405C-8D8B-CE3E-8069-096AD4E41CB5}"/>
               </a:ext>
             </a:extLst>
           </p:cNvPr>
@@ -1185,7 +1185,7 @@
           <a:bodyPr/>
           <a:lstStyle/>
           <a:p>
-            <a:fld id="{8ADB2709-69D4-4A1C-A36F-117ED33A6986}" type="slidenum">
+            <a:fld id="{012D6D11-FF9A-4DB9-B82A-3CD37C6665D6}" type="slidenum">
               <a:rPr lang="zh-CN" altLang="en-US" smtClean="0"/>
               <a:t>‹#›</a:t>
             </a:fld>
@@ -1196,7 +1196,7 @@
     </p:spTree>
     <p:extLst>
       <p:ext uri="{BB962C8B-B14F-4D97-AF65-F5344CB8AC3E}">
-        <p14:creationId xmlns:p14="http://schemas.microsoft.com/office/powerpoint/2010/main" val="1085537630"/>
+        <p14:creationId xmlns:p14="http://schemas.microsoft.com/office/powerpoint/2010/main" val="3072709575"/>
       </p:ext>
     </p:extLst>
   </p:cSld>
@@ -1228,7 +1228,7 @@
           <p:cNvPr id="2" name="标题 1">
             <a:extLst>
               <a:ext uri="{FF2B5EF4-FFF2-40B4-BE49-F238E27FC236}">
-                <a16:creationId xmlns:a16="http://schemas.microsoft.com/office/drawing/2014/main" id="{224DA0FE-CD98-182C-B7DA-31C0F661F789}"/>
+                <a16:creationId xmlns:a16="http://schemas.microsoft.com/office/drawing/2014/main" id="{68A9E619-6EFD-31C9-E022-B449B4023F04}"/>
               </a:ext>
             </a:extLst>
           </p:cNvPr>
@@ -1256,7 +1256,7 @@
           <p:cNvPr id="3" name="内容占位符 2">
             <a:extLst>
               <a:ext uri="{FF2B5EF4-FFF2-40B4-BE49-F238E27FC236}">
-                <a16:creationId xmlns:a16="http://schemas.microsoft.com/office/drawing/2014/main" id="{A73FB0C7-FD03-F781-7E9E-79AC0E96BC9B}"/>
+                <a16:creationId xmlns:a16="http://schemas.microsoft.com/office/drawing/2014/main" id="{92EE9B64-8611-3633-9A7A-B6DC3DDC95D4}"/>
               </a:ext>
             </a:extLst>
           </p:cNvPr>
@@ -1318,7 +1318,7 @@
           <p:cNvPr id="4" name="内容占位符 3">
             <a:extLst>
               <a:ext uri="{FF2B5EF4-FFF2-40B4-BE49-F238E27FC236}">
-                <a16:creationId xmlns:a16="http://schemas.microsoft.com/office/drawing/2014/main" id="{01A4BF46-EA4A-6137-CCBF-089F8275A067}"/>
+                <a16:creationId xmlns:a16="http://schemas.microsoft.com/office/drawing/2014/main" id="{2DF5215E-9889-6ED2-8BBE-2EB456542636}"/>
               </a:ext>
             </a:extLst>
           </p:cNvPr>
@@ -1380,7 +1380,7 @@
           <p:cNvPr id="5" name="日期占位符 4">
             <a:extLst>
               <a:ext uri="{FF2B5EF4-FFF2-40B4-BE49-F238E27FC236}">
-                <a16:creationId xmlns:a16="http://schemas.microsoft.com/office/drawing/2014/main" id="{B56C0F17-B78C-D9A0-A6E1-0462464034A9}"/>
+                <a16:creationId xmlns:a16="http://schemas.microsoft.com/office/drawing/2014/main" id="{B4CD772C-CCC3-3C49-180B-DC13FCD33D5E}"/>
               </a:ext>
             </a:extLst>
           </p:cNvPr>
@@ -1396,7 +1396,7 @@
           <a:bodyPr/>
           <a:lstStyle/>
           <a:p>
-            <a:fld id="{D397500C-D466-4AB9-A804-4447098EAB41}" type="datetimeFigureOut">
+            <a:fld id="{A00EE3F2-B1ED-4068-B7DD-CDD36C1D1AA4}" type="datetimeFigureOut">
               <a:rPr lang="zh-CN" altLang="en-US" smtClean="0"/>
               <a:t>2024/3/10</a:t>
             </a:fld>
@@ -1409,7 +1409,7 @@
           <p:cNvPr id="6" name="页脚占位符 5">
             <a:extLst>
               <a:ext uri="{FF2B5EF4-FFF2-40B4-BE49-F238E27FC236}">
-                <a16:creationId xmlns:a16="http://schemas.microsoft.com/office/drawing/2014/main" id="{DAAC8E7F-F448-853C-85BA-A48CFEE7ECD1}"/>
+                <a16:creationId xmlns:a16="http://schemas.microsoft.com/office/drawing/2014/main" id="{FCBFCB0D-8A6D-E790-C3EC-397774CDAB52}"/>
               </a:ext>
             </a:extLst>
           </p:cNvPr>
@@ -1434,7 +1434,7 @@
           <p:cNvPr id="7" name="灯片编号占位符 6">
             <a:extLst>
               <a:ext uri="{FF2B5EF4-FFF2-40B4-BE49-F238E27FC236}">
-                <a16:creationId xmlns:a16="http://schemas.microsoft.com/office/drawing/2014/main" id="{182820C8-77F2-A2DF-14BC-80A7E354C881}"/>
+                <a16:creationId xmlns:a16="http://schemas.microsoft.com/office/drawing/2014/main" id="{CC74C894-977F-9A9F-95DE-9B413410AE0D}"/>
               </a:ext>
             </a:extLst>
           </p:cNvPr>
@@ -1450,7 +1450,7 @@
           <a:bodyPr/>
           <a:lstStyle/>
           <a:p>
-            <a:fld id="{8ADB2709-69D4-4A1C-A36F-117ED33A6986}" type="slidenum">
+            <a:fld id="{012D6D11-FF9A-4DB9-B82A-3CD37C6665D6}" type="slidenum">
               <a:rPr lang="zh-CN" altLang="en-US" smtClean="0"/>
               <a:t>‹#›</a:t>
             </a:fld>
@@ -1461,7 +1461,7 @@
     </p:spTree>
     <p:extLst>
       <p:ext uri="{BB962C8B-B14F-4D97-AF65-F5344CB8AC3E}">
-        <p14:creationId xmlns:p14="http://schemas.microsoft.com/office/powerpoint/2010/main" val="1399024772"/>
+        <p14:creationId xmlns:p14="http://schemas.microsoft.com/office/powerpoint/2010/main" val="694182860"/>
       </p:ext>
     </p:extLst>
   </p:cSld>
@@ -1493,7 +1493,7 @@
           <p:cNvPr id="2" name="标题 1">
             <a:extLst>
               <a:ext uri="{FF2B5EF4-FFF2-40B4-BE49-F238E27FC236}">
-                <a16:creationId xmlns:a16="http://schemas.microsoft.com/office/drawing/2014/main" id="{C450DDF4-6606-04AF-57CF-27689E7420A0}"/>
+                <a16:creationId xmlns:a16="http://schemas.microsoft.com/office/drawing/2014/main" id="{458A2CB5-7FD5-0664-CB76-7738446D12EC}"/>
               </a:ext>
             </a:extLst>
           </p:cNvPr>
@@ -1526,7 +1526,7 @@
           <p:cNvPr id="3" name="文本占位符 2">
             <a:extLst>
               <a:ext uri="{FF2B5EF4-FFF2-40B4-BE49-F238E27FC236}">
-                <a16:creationId xmlns:a16="http://schemas.microsoft.com/office/drawing/2014/main" id="{4E1E4B45-ABEF-C494-58EF-0F277372E323}"/>
+                <a16:creationId xmlns:a16="http://schemas.microsoft.com/office/drawing/2014/main" id="{57F408DC-621C-772A-4259-3FD0634C3F6B}"/>
               </a:ext>
             </a:extLst>
           </p:cNvPr>
@@ -1597,7 +1597,7 @@
           <p:cNvPr id="4" name="内容占位符 3">
             <a:extLst>
               <a:ext uri="{FF2B5EF4-FFF2-40B4-BE49-F238E27FC236}">
-                <a16:creationId xmlns:a16="http://schemas.microsoft.com/office/drawing/2014/main" id="{1D3390C5-A1CB-DAD0-C782-363D61801107}"/>
+                <a16:creationId xmlns:a16="http://schemas.microsoft.com/office/drawing/2014/main" id="{0B60C1CC-EC1B-C792-6707-76A430B9BFED}"/>
               </a:ext>
             </a:extLst>
           </p:cNvPr>
@@ -1659,7 +1659,7 @@
           <p:cNvPr id="5" name="文本占位符 4">
             <a:extLst>
               <a:ext uri="{FF2B5EF4-FFF2-40B4-BE49-F238E27FC236}">
-                <a16:creationId xmlns:a16="http://schemas.microsoft.com/office/drawing/2014/main" id="{5DC0BD69-6E50-63C0-B8A7-61BFD8F81142}"/>
+                <a16:creationId xmlns:a16="http://schemas.microsoft.com/office/drawing/2014/main" id="{1A987665-0A2C-C1FE-2EC3-0C83DB3317A0}"/>
               </a:ext>
             </a:extLst>
           </p:cNvPr>
@@ -1730,7 +1730,7 @@
           <p:cNvPr id="6" name="内容占位符 5">
             <a:extLst>
               <a:ext uri="{FF2B5EF4-FFF2-40B4-BE49-F238E27FC236}">
-                <a16:creationId xmlns:a16="http://schemas.microsoft.com/office/drawing/2014/main" id="{41111EFC-AE9A-CB26-3D06-ECA3B7B0B511}"/>
+                <a16:creationId xmlns:a16="http://schemas.microsoft.com/office/drawing/2014/main" id="{E42C34E3-C94D-841B-AA35-F0AD24F84546}"/>
               </a:ext>
             </a:extLst>
           </p:cNvPr>
@@ -1792,7 +1792,7 @@
           <p:cNvPr id="7" name="日期占位符 6">
             <a:extLst>
               <a:ext uri="{FF2B5EF4-FFF2-40B4-BE49-F238E27FC236}">
-                <a16:creationId xmlns:a16="http://schemas.microsoft.com/office/drawing/2014/main" id="{8EB40587-BEFE-BBA1-A2DF-EF47B253D84B}"/>
+                <a16:creationId xmlns:a16="http://schemas.microsoft.com/office/drawing/2014/main" id="{CE14C9DB-278A-1918-5606-5F0EFA8D0EAD}"/>
               </a:ext>
             </a:extLst>
           </p:cNvPr>
@@ -1808,7 +1808,7 @@
           <a:bodyPr/>
           <a:lstStyle/>
           <a:p>
-            <a:fld id="{D397500C-D466-4AB9-A804-4447098EAB41}" type="datetimeFigureOut">
+            <a:fld id="{A00EE3F2-B1ED-4068-B7DD-CDD36C1D1AA4}" type="datetimeFigureOut">
               <a:rPr lang="zh-CN" altLang="en-US" smtClean="0"/>
               <a:t>2024/3/10</a:t>
             </a:fld>
@@ -1821,7 +1821,7 @@
           <p:cNvPr id="8" name="页脚占位符 7">
             <a:extLst>
               <a:ext uri="{FF2B5EF4-FFF2-40B4-BE49-F238E27FC236}">
-                <a16:creationId xmlns:a16="http://schemas.microsoft.com/office/drawing/2014/main" id="{CCD681C2-2B81-EB8F-2393-E2CC3C814E4B}"/>
+                <a16:creationId xmlns:a16="http://schemas.microsoft.com/office/drawing/2014/main" id="{C7083FE6-C272-5AFE-31BC-7A59A0E568CF}"/>
               </a:ext>
             </a:extLst>
           </p:cNvPr>
@@ -1846,7 +1846,7 @@
           <p:cNvPr id="9" name="灯片编号占位符 8">
             <a:extLst>
               <a:ext uri="{FF2B5EF4-FFF2-40B4-BE49-F238E27FC236}">
-                <a16:creationId xmlns:a16="http://schemas.microsoft.com/office/drawing/2014/main" id="{1D0F7765-6A3C-49ED-71E2-8ACACC796017}"/>
+                <a16:creationId xmlns:a16="http://schemas.microsoft.com/office/drawing/2014/main" id="{0F84BB6C-8926-2DF5-7171-8A5C4062E98C}"/>
               </a:ext>
             </a:extLst>
           </p:cNvPr>
@@ -1862,7 +1862,7 @@
           <a:bodyPr/>
           <a:lstStyle/>
           <a:p>
-            <a:fld id="{8ADB2709-69D4-4A1C-A36F-117ED33A6986}" type="slidenum">
+            <a:fld id="{012D6D11-FF9A-4DB9-B82A-3CD37C6665D6}" type="slidenum">
               <a:rPr lang="zh-CN" altLang="en-US" smtClean="0"/>
               <a:t>‹#›</a:t>
             </a:fld>
@@ -1873,7 +1873,7 @@
     </p:spTree>
     <p:extLst>
       <p:ext uri="{BB962C8B-B14F-4D97-AF65-F5344CB8AC3E}">
-        <p14:creationId xmlns:p14="http://schemas.microsoft.com/office/powerpoint/2010/main" val="2391799032"/>
+        <p14:creationId xmlns:p14="http://schemas.microsoft.com/office/powerpoint/2010/main" val="2921165772"/>
       </p:ext>
     </p:extLst>
   </p:cSld>
@@ -1905,7 +1905,7 @@
           <p:cNvPr id="2" name="标题 1">
             <a:extLst>
               <a:ext uri="{FF2B5EF4-FFF2-40B4-BE49-F238E27FC236}">
-                <a16:creationId xmlns:a16="http://schemas.microsoft.com/office/drawing/2014/main" id="{EF9DA792-3854-91BB-350B-32E03713DA36}"/>
+                <a16:creationId xmlns:a16="http://schemas.microsoft.com/office/drawing/2014/main" id="{B4688D7B-9BEE-94A7-391D-2D87AF2658D4}"/>
               </a:ext>
             </a:extLst>
           </p:cNvPr>
@@ -1933,7 +1933,7 @@
           <p:cNvPr id="3" name="日期占位符 2">
             <a:extLst>
               <a:ext uri="{FF2B5EF4-FFF2-40B4-BE49-F238E27FC236}">
-                <a16:creationId xmlns:a16="http://schemas.microsoft.com/office/drawing/2014/main" id="{50869B1D-36A5-3B80-FC1E-581D72DC42F8}"/>
+                <a16:creationId xmlns:a16="http://schemas.microsoft.com/office/drawing/2014/main" id="{FF501739-2E7B-D9EF-0906-62C5C76F685D}"/>
               </a:ext>
             </a:extLst>
           </p:cNvPr>
@@ -1949,7 +1949,7 @@
           <a:bodyPr/>
           <a:lstStyle/>
           <a:p>
-            <a:fld id="{D397500C-D466-4AB9-A804-4447098EAB41}" type="datetimeFigureOut">
+            <a:fld id="{A00EE3F2-B1ED-4068-B7DD-CDD36C1D1AA4}" type="datetimeFigureOut">
               <a:rPr lang="zh-CN" altLang="en-US" smtClean="0"/>
               <a:t>2024/3/10</a:t>
             </a:fld>
@@ -1962,7 +1962,7 @@
           <p:cNvPr id="4" name="页脚占位符 3">
             <a:extLst>
               <a:ext uri="{FF2B5EF4-FFF2-40B4-BE49-F238E27FC236}">
-                <a16:creationId xmlns:a16="http://schemas.microsoft.com/office/drawing/2014/main" id="{F795D0C1-B5BC-7878-865C-5080AA596938}"/>
+                <a16:creationId xmlns:a16="http://schemas.microsoft.com/office/drawing/2014/main" id="{E599E786-DFAF-0DEA-EC96-45B620B9EB1F}"/>
               </a:ext>
             </a:extLst>
           </p:cNvPr>
@@ -1987,7 +1987,7 @@
           <p:cNvPr id="5" name="灯片编号占位符 4">
             <a:extLst>
               <a:ext uri="{FF2B5EF4-FFF2-40B4-BE49-F238E27FC236}">
-                <a16:creationId xmlns:a16="http://schemas.microsoft.com/office/drawing/2014/main" id="{8DDEBB1B-9A07-33FF-EE57-C441F7F13B4D}"/>
+                <a16:creationId xmlns:a16="http://schemas.microsoft.com/office/drawing/2014/main" id="{DAB62931-2BE9-0D17-421E-15F1EC02751F}"/>
               </a:ext>
             </a:extLst>
           </p:cNvPr>
@@ -2003,7 +2003,7 @@
           <a:bodyPr/>
           <a:lstStyle/>
           <a:p>
-            <a:fld id="{8ADB2709-69D4-4A1C-A36F-117ED33A6986}" type="slidenum">
+            <a:fld id="{012D6D11-FF9A-4DB9-B82A-3CD37C6665D6}" type="slidenum">
               <a:rPr lang="zh-CN" altLang="en-US" smtClean="0"/>
               <a:t>‹#›</a:t>
             </a:fld>
@@ -2014,7 +2014,7 @@
     </p:spTree>
     <p:extLst>
       <p:ext uri="{BB962C8B-B14F-4D97-AF65-F5344CB8AC3E}">
-        <p14:creationId xmlns:p14="http://schemas.microsoft.com/office/powerpoint/2010/main" val="3950842611"/>
+        <p14:creationId xmlns:p14="http://schemas.microsoft.com/office/powerpoint/2010/main" val="3981413077"/>
       </p:ext>
     </p:extLst>
   </p:cSld>
@@ -2046,7 +2046,7 @@
           <p:cNvPr id="2" name="日期占位符 1">
             <a:extLst>
               <a:ext uri="{FF2B5EF4-FFF2-40B4-BE49-F238E27FC236}">
-                <a16:creationId xmlns:a16="http://schemas.microsoft.com/office/drawing/2014/main" id="{240B0AB5-3394-D63B-AF16-9C84368EA61A}"/>
+                <a16:creationId xmlns:a16="http://schemas.microsoft.com/office/drawing/2014/main" id="{B152210D-FB82-F983-ED02-9ECE67E7A1C3}"/>
               </a:ext>
             </a:extLst>
           </p:cNvPr>
@@ -2062,7 +2062,7 @@
           <a:bodyPr/>
           <a:lstStyle/>
           <a:p>
-            <a:fld id="{D397500C-D466-4AB9-A804-4447098EAB41}" type="datetimeFigureOut">
+            <a:fld id="{A00EE3F2-B1ED-4068-B7DD-CDD36C1D1AA4}" type="datetimeFigureOut">
               <a:rPr lang="zh-CN" altLang="en-US" smtClean="0"/>
               <a:t>2024/3/10</a:t>
             </a:fld>
@@ -2075,7 +2075,7 @@
           <p:cNvPr id="3" name="页脚占位符 2">
             <a:extLst>
               <a:ext uri="{FF2B5EF4-FFF2-40B4-BE49-F238E27FC236}">
-                <a16:creationId xmlns:a16="http://schemas.microsoft.com/office/drawing/2014/main" id="{C827E15C-DDDF-1741-6252-DFD75F1BE327}"/>
+                <a16:creationId xmlns:a16="http://schemas.microsoft.com/office/drawing/2014/main" id="{3E91E277-0B5F-C6E5-7605-A2D5B6242084}"/>
               </a:ext>
             </a:extLst>
           </p:cNvPr>
@@ -2100,7 +2100,7 @@
           <p:cNvPr id="4" name="灯片编号占位符 3">
             <a:extLst>
               <a:ext uri="{FF2B5EF4-FFF2-40B4-BE49-F238E27FC236}">
-                <a16:creationId xmlns:a16="http://schemas.microsoft.com/office/drawing/2014/main" id="{E61A612B-7A6B-A63A-0BF1-39ADE07F239C}"/>
+                <a16:creationId xmlns:a16="http://schemas.microsoft.com/office/drawing/2014/main" id="{64310842-A32A-7530-794C-311D3F18E002}"/>
               </a:ext>
             </a:extLst>
           </p:cNvPr>
@@ -2116,7 +2116,7 @@
           <a:bodyPr/>
           <a:lstStyle/>
           <a:p>
-            <a:fld id="{8ADB2709-69D4-4A1C-A36F-117ED33A6986}" type="slidenum">
+            <a:fld id="{012D6D11-FF9A-4DB9-B82A-3CD37C6665D6}" type="slidenum">
               <a:rPr lang="zh-CN" altLang="en-US" smtClean="0"/>
               <a:t>‹#›</a:t>
             </a:fld>
@@ -2127,7 +2127,7 @@
     </p:spTree>
     <p:extLst>
       <p:ext uri="{BB962C8B-B14F-4D97-AF65-F5344CB8AC3E}">
-        <p14:creationId xmlns:p14="http://schemas.microsoft.com/office/powerpoint/2010/main" val="2494857533"/>
+        <p14:creationId xmlns:p14="http://schemas.microsoft.com/office/powerpoint/2010/main" val="3525751263"/>
       </p:ext>
     </p:extLst>
   </p:cSld>
@@ -2159,7 +2159,7 @@
           <p:cNvPr id="2" name="标题 1">
             <a:extLst>
               <a:ext uri="{FF2B5EF4-FFF2-40B4-BE49-F238E27FC236}">
-                <a16:creationId xmlns:a16="http://schemas.microsoft.com/office/drawing/2014/main" id="{7A44FD80-C642-D4C7-CD95-86090F6FD595}"/>
+                <a16:creationId xmlns:a16="http://schemas.microsoft.com/office/drawing/2014/main" id="{E6B1E6A8-8971-D7D6-C60E-5BE2243DE714}"/>
               </a:ext>
             </a:extLst>
           </p:cNvPr>
@@ -2196,7 +2196,7 @@
           <p:cNvPr id="3" name="内容占位符 2">
             <a:extLst>
               <a:ext uri="{FF2B5EF4-FFF2-40B4-BE49-F238E27FC236}">
-                <a16:creationId xmlns:a16="http://schemas.microsoft.com/office/drawing/2014/main" id="{A768F27B-B2FC-4216-CCCF-175CA6D97FC1}"/>
+                <a16:creationId xmlns:a16="http://schemas.microsoft.com/office/drawing/2014/main" id="{7E4D65A7-EF96-7A86-95E9-371228DFECBB}"/>
               </a:ext>
             </a:extLst>
           </p:cNvPr>
@@ -2286,7 +2286,7 @@
           <p:cNvPr id="4" name="文本占位符 3">
             <a:extLst>
               <a:ext uri="{FF2B5EF4-FFF2-40B4-BE49-F238E27FC236}">
-                <a16:creationId xmlns:a16="http://schemas.microsoft.com/office/drawing/2014/main" id="{2B909B9D-B3DB-9F81-D52F-918EB5C192A3}"/>
+                <a16:creationId xmlns:a16="http://schemas.microsoft.com/office/drawing/2014/main" id="{8E4B478F-81A2-7875-40F0-ADDDA2748D3A}"/>
               </a:ext>
             </a:extLst>
           </p:cNvPr>
@@ -2357,7 +2357,7 @@
           <p:cNvPr id="5" name="日期占位符 4">
             <a:extLst>
               <a:ext uri="{FF2B5EF4-FFF2-40B4-BE49-F238E27FC236}">
-                <a16:creationId xmlns:a16="http://schemas.microsoft.com/office/drawing/2014/main" id="{5A1C3C2A-8290-4B87-D244-52B6AA726D89}"/>
+                <a16:creationId xmlns:a16="http://schemas.microsoft.com/office/drawing/2014/main" id="{1A19730A-043A-D3AC-9EFC-3F19DECA7F31}"/>
               </a:ext>
             </a:extLst>
           </p:cNvPr>
@@ -2373,7 +2373,7 @@
           <a:bodyPr/>
           <a:lstStyle/>
           <a:p>
-            <a:fld id="{D397500C-D466-4AB9-A804-4447098EAB41}" type="datetimeFigureOut">
+            <a:fld id="{A00EE3F2-B1ED-4068-B7DD-CDD36C1D1AA4}" type="datetimeFigureOut">
               <a:rPr lang="zh-CN" altLang="en-US" smtClean="0"/>
               <a:t>2024/3/10</a:t>
             </a:fld>
@@ -2386,7 +2386,7 @@
           <p:cNvPr id="6" name="页脚占位符 5">
             <a:extLst>
               <a:ext uri="{FF2B5EF4-FFF2-40B4-BE49-F238E27FC236}">
-                <a16:creationId xmlns:a16="http://schemas.microsoft.com/office/drawing/2014/main" id="{8E1E3A02-4DE5-AB46-D954-B5A11A4D994D}"/>
+                <a16:creationId xmlns:a16="http://schemas.microsoft.com/office/drawing/2014/main" id="{63E0920C-3B7A-5122-0B21-4E612CBDD8BE}"/>
               </a:ext>
             </a:extLst>
           </p:cNvPr>
@@ -2411,7 +2411,7 @@
           <p:cNvPr id="7" name="灯片编号占位符 6">
             <a:extLst>
               <a:ext uri="{FF2B5EF4-FFF2-40B4-BE49-F238E27FC236}">
-                <a16:creationId xmlns:a16="http://schemas.microsoft.com/office/drawing/2014/main" id="{D779A3A5-D2C5-50A4-FFE6-C74CE404AC3A}"/>
+                <a16:creationId xmlns:a16="http://schemas.microsoft.com/office/drawing/2014/main" id="{9860DF21-36EA-A107-169C-A82DEA4286D1}"/>
               </a:ext>
             </a:extLst>
           </p:cNvPr>
@@ -2427,7 +2427,7 @@
           <a:bodyPr/>
           <a:lstStyle/>
           <a:p>
-            <a:fld id="{8ADB2709-69D4-4A1C-A36F-117ED33A6986}" type="slidenum">
+            <a:fld id="{012D6D11-FF9A-4DB9-B82A-3CD37C6665D6}" type="slidenum">
               <a:rPr lang="zh-CN" altLang="en-US" smtClean="0"/>
               <a:t>‹#›</a:t>
             </a:fld>
@@ -2438,7 +2438,7 @@
     </p:spTree>
     <p:extLst>
       <p:ext uri="{BB962C8B-B14F-4D97-AF65-F5344CB8AC3E}">
-        <p14:creationId xmlns:p14="http://schemas.microsoft.com/office/powerpoint/2010/main" val="1352338841"/>
+        <p14:creationId xmlns:p14="http://schemas.microsoft.com/office/powerpoint/2010/main" val="2130225652"/>
       </p:ext>
     </p:extLst>
   </p:cSld>
@@ -2470,7 +2470,7 @@
           <p:cNvPr id="2" name="标题 1">
             <a:extLst>
               <a:ext uri="{FF2B5EF4-FFF2-40B4-BE49-F238E27FC236}">
-                <a16:creationId xmlns:a16="http://schemas.microsoft.com/office/drawing/2014/main" id="{0EB2292E-18AF-9AD3-C05B-1E6C84BB0EDF}"/>
+                <a16:creationId xmlns:a16="http://schemas.microsoft.com/office/drawing/2014/main" id="{17E71E1C-645D-2999-DB97-45690BEB680A}"/>
               </a:ext>
             </a:extLst>
           </p:cNvPr>
@@ -2507,7 +2507,7 @@
           <p:cNvPr id="3" name="图片占位符 2">
             <a:extLst>
               <a:ext uri="{FF2B5EF4-FFF2-40B4-BE49-F238E27FC236}">
-                <a16:creationId xmlns:a16="http://schemas.microsoft.com/office/drawing/2014/main" id="{CD8B8223-B63F-B322-8D04-DE008D130B61}"/>
+                <a16:creationId xmlns:a16="http://schemas.microsoft.com/office/drawing/2014/main" id="{F570AF98-E700-3BC7-7889-D139827305F9}"/>
               </a:ext>
             </a:extLst>
           </p:cNvPr>
@@ -2574,7 +2574,7 @@
           <p:cNvPr id="4" name="文本占位符 3">
             <a:extLst>
               <a:ext uri="{FF2B5EF4-FFF2-40B4-BE49-F238E27FC236}">
-                <a16:creationId xmlns:a16="http://schemas.microsoft.com/office/drawing/2014/main" id="{BE9FB4FC-A350-5F1E-AFEF-5A70D4A66D01}"/>
+                <a16:creationId xmlns:a16="http://schemas.microsoft.com/office/drawing/2014/main" id="{6960A777-E158-914E-5B14-090264AF29B0}"/>
               </a:ext>
             </a:extLst>
           </p:cNvPr>
@@ -2645,7 +2645,7 @@
           <p:cNvPr id="5" name="日期占位符 4">
             <a:extLst>
               <a:ext uri="{FF2B5EF4-FFF2-40B4-BE49-F238E27FC236}">
-                <a16:creationId xmlns:a16="http://schemas.microsoft.com/office/drawing/2014/main" id="{7E7F8121-0244-E5C5-BCFF-EECE25F40D73}"/>
+                <a16:creationId xmlns:a16="http://schemas.microsoft.com/office/drawing/2014/main" id="{74178286-A448-3590-AA76-DFE85363B4FE}"/>
               </a:ext>
             </a:extLst>
           </p:cNvPr>
@@ -2661,7 +2661,7 @@
           <a:bodyPr/>
           <a:lstStyle/>
           <a:p>
-            <a:fld id="{D397500C-D466-4AB9-A804-4447098EAB41}" type="datetimeFigureOut">
+            <a:fld id="{A00EE3F2-B1ED-4068-B7DD-CDD36C1D1AA4}" type="datetimeFigureOut">
               <a:rPr lang="zh-CN" altLang="en-US" smtClean="0"/>
               <a:t>2024/3/10</a:t>
             </a:fld>
@@ -2674,7 +2674,7 @@
           <p:cNvPr id="6" name="页脚占位符 5">
             <a:extLst>
               <a:ext uri="{FF2B5EF4-FFF2-40B4-BE49-F238E27FC236}">
-                <a16:creationId xmlns:a16="http://schemas.microsoft.com/office/drawing/2014/main" id="{1533C21C-66A3-3FFB-9538-6A84FCD99E98}"/>
+                <a16:creationId xmlns:a16="http://schemas.microsoft.com/office/drawing/2014/main" id="{ECAEFD86-37D5-0439-EFBA-0418A09D08D9}"/>
               </a:ext>
             </a:extLst>
           </p:cNvPr>
@@ -2699,7 +2699,7 @@
           <p:cNvPr id="7" name="灯片编号占位符 6">
             <a:extLst>
               <a:ext uri="{FF2B5EF4-FFF2-40B4-BE49-F238E27FC236}">
-                <a16:creationId xmlns:a16="http://schemas.microsoft.com/office/drawing/2014/main" id="{0B07B66F-5969-9A44-409A-3F3CDD3338BF}"/>
+                <a16:creationId xmlns:a16="http://schemas.microsoft.com/office/drawing/2014/main" id="{9C40C376-D190-5B92-DEBF-10756985FF73}"/>
               </a:ext>
             </a:extLst>
           </p:cNvPr>
@@ -2715,7 +2715,7 @@
           <a:bodyPr/>
           <a:lstStyle/>
           <a:p>
-            <a:fld id="{8ADB2709-69D4-4A1C-A36F-117ED33A6986}" type="slidenum">
+            <a:fld id="{012D6D11-FF9A-4DB9-B82A-3CD37C6665D6}" type="slidenum">
               <a:rPr lang="zh-CN" altLang="en-US" smtClean="0"/>
               <a:t>‹#›</a:t>
             </a:fld>
@@ -2726,7 +2726,7 @@
     </p:spTree>
     <p:extLst>
       <p:ext uri="{BB962C8B-B14F-4D97-AF65-F5344CB8AC3E}">
-        <p14:creationId xmlns:p14="http://schemas.microsoft.com/office/powerpoint/2010/main" val="2777373948"/>
+        <p14:creationId xmlns:p14="http://schemas.microsoft.com/office/powerpoint/2010/main" val="2793546877"/>
       </p:ext>
     </p:extLst>
   </p:cSld>
@@ -2763,7 +2763,7 @@
           <p:cNvPr id="2" name="标题占位符 1">
             <a:extLst>
               <a:ext uri="{FF2B5EF4-FFF2-40B4-BE49-F238E27FC236}">
-                <a16:creationId xmlns:a16="http://schemas.microsoft.com/office/drawing/2014/main" id="{85009E77-1A19-075C-07BA-EFF343A556CE}"/>
+                <a16:creationId xmlns:a16="http://schemas.microsoft.com/office/drawing/2014/main" id="{B5D88DEB-A061-1E60-6723-CCCCF8C088B1}"/>
               </a:ext>
             </a:extLst>
           </p:cNvPr>
@@ -2801,7 +2801,7 @@
           <p:cNvPr id="3" name="文本占位符 2">
             <a:extLst>
               <a:ext uri="{FF2B5EF4-FFF2-40B4-BE49-F238E27FC236}">
-                <a16:creationId xmlns:a16="http://schemas.microsoft.com/office/drawing/2014/main" id="{740D61F3-1218-34DC-9D34-7109B3ADD5B2}"/>
+                <a16:creationId xmlns:a16="http://schemas.microsoft.com/office/drawing/2014/main" id="{AE5D41EE-8A3F-39D6-681E-473488CDB005}"/>
               </a:ext>
             </a:extLst>
           </p:cNvPr>
@@ -2868,7 +2868,7 @@
           <p:cNvPr id="4" name="日期占位符 3">
             <a:extLst>
               <a:ext uri="{FF2B5EF4-FFF2-40B4-BE49-F238E27FC236}">
-                <a16:creationId xmlns:a16="http://schemas.microsoft.com/office/drawing/2014/main" id="{727E4E6F-AE5B-B8C2-2803-D5E58466DCD5}"/>
+                <a16:creationId xmlns:a16="http://schemas.microsoft.com/office/drawing/2014/main" id="{44D4629C-58A6-30E2-C77D-53125CFCB733}"/>
               </a:ext>
             </a:extLst>
           </p:cNvPr>
@@ -2902,7 +2902,7 @@
             </a:lvl1pPr>
           </a:lstStyle>
           <a:p>
-            <a:fld id="{D397500C-D466-4AB9-A804-4447098EAB41}" type="datetimeFigureOut">
+            <a:fld id="{A00EE3F2-B1ED-4068-B7DD-CDD36C1D1AA4}" type="datetimeFigureOut">
               <a:rPr lang="zh-CN" altLang="en-US" smtClean="0"/>
               <a:t>2024/3/10</a:t>
             </a:fld>
@@ -2915,7 +2915,7 @@
           <p:cNvPr id="5" name="页脚占位符 4">
             <a:extLst>
               <a:ext uri="{FF2B5EF4-FFF2-40B4-BE49-F238E27FC236}">
-                <a16:creationId xmlns:a16="http://schemas.microsoft.com/office/drawing/2014/main" id="{060E1801-505C-9D29-1267-AA42E04D68C8}"/>
+                <a16:creationId xmlns:a16="http://schemas.microsoft.com/office/drawing/2014/main" id="{0619626C-D98E-76CC-B876-BD9E61E5690D}"/>
               </a:ext>
             </a:extLst>
           </p:cNvPr>
@@ -2958,7 +2958,7 @@
           <p:cNvPr id="6" name="灯片编号占位符 5">
             <a:extLst>
               <a:ext uri="{FF2B5EF4-FFF2-40B4-BE49-F238E27FC236}">
-                <a16:creationId xmlns:a16="http://schemas.microsoft.com/office/drawing/2014/main" id="{5E3E449A-9E34-1D20-BFF0-5B37DCA1BC31}"/>
+                <a16:creationId xmlns:a16="http://schemas.microsoft.com/office/drawing/2014/main" id="{DA4CBD8E-7C82-AF5A-F11E-0C105CEB74A8}"/>
               </a:ext>
             </a:extLst>
           </p:cNvPr>
@@ -2992,7 +2992,7 @@
             </a:lvl1pPr>
           </a:lstStyle>
           <a:p>
-            <a:fld id="{8ADB2709-69D4-4A1C-A36F-117ED33A6986}" type="slidenum">
+            <a:fld id="{012D6D11-FF9A-4DB9-B82A-3CD37C6665D6}" type="slidenum">
               <a:rPr lang="zh-CN" altLang="en-US" smtClean="0"/>
               <a:t>‹#›</a:t>
             </a:fld>
@@ -3003,7 +3003,7 @@
     </p:spTree>
     <p:extLst>
       <p:ext uri="{BB962C8B-B14F-4D97-AF65-F5344CB8AC3E}">
-        <p14:creationId xmlns:p14="http://schemas.microsoft.com/office/powerpoint/2010/main" val="4176161797"/>
+        <p14:creationId xmlns:p14="http://schemas.microsoft.com/office/powerpoint/2010/main" val="3541226001"/>
       </p:ext>
     </p:extLst>
   </p:cSld>
@@ -3323,7 +3323,7 @@
       </p:grpSpPr>
       <p:pic>
         <p:nvPicPr>
-          <p:cNvPr id="891906" name="Picture 2" descr="870"/>
+          <p:cNvPr id="892930" name="Picture 2" descr="871"/>
           <p:cNvPicPr>
             <a:picLocks noChangeAspect="1" noChangeArrowheads="1"/>
           </p:cNvPicPr>
@@ -3344,7 +3344,7 @@
         </p:blipFill>
         <p:spPr bwMode="auto">
           <a:xfrm>
-            <a:off x="1524000" y="1"/>
+            <a:off x="1543050" y="1"/>
             <a:ext cx="9124950" cy="6843713"/>
           </a:xfrm>
           <a:prstGeom prst="rect">
